--- a/presentation_data_transformation.pptx
+++ b/presentation_data_transformation.pptx
@@ -2463,7 +2463,7 @@
         <a:p>
           <a:r>
             <a:rPr lang="en-US" dirty="0"/>
-            <a:t>19 rows per car for a total of 21908 rows,</a:t>
+            <a:t>19 rows per car for a total of 21908 rows</a:t>
           </a:r>
         </a:p>
       </dgm:t>
@@ -3001,7 +3001,7 @@
         <a:p>
           <a:r>
             <a:rPr lang="en-US" dirty="0"/>
-            <a:t>Get all attributes for one car onto one row</a:t>
+            <a:t>Get all attributes for one car onto one row.</a:t>
           </a:r>
         </a:p>
       </dgm:t>
@@ -3043,7 +3043,7 @@
         <a:p>
           <a:r>
             <a:rPr lang="en-US" dirty="0"/>
-            <a:t>Translate the attributes to fit the target format</a:t>
+            <a:t>Translate the attributes to fit the target format.</a:t>
           </a:r>
         </a:p>
       </dgm:t>
@@ -3083,8 +3083,13 @@
         <a:p>
           <a:r>
             <a:rPr lang="en-US" dirty="0"/>
-            <a:t>Use the target schema to populate the output with the normalized input data</a:t>
+            <a:t>Use the target schema to populate the output with the normalized </a:t>
           </a:r>
+          <a:r>
+            <a:rPr lang="en-US"/>
+            <a:t>input data.</a:t>
+          </a:r>
+          <a:endParaRPr lang="en-US" dirty="0"/>
         </a:p>
       </dgm:t>
     </dgm:pt>
@@ -4259,7 +4264,7 @@
           </a:pPr>
           <a:r>
             <a:rPr lang="en-US" sz="1700" kern="1200" dirty="0"/>
-            <a:t>19 rows per car for a total of 21908 rows,</a:t>
+            <a:t>19 rows per car for a total of 21908 rows</a:t>
           </a:r>
         </a:p>
         <a:p>
@@ -4652,7 +4657,7 @@
           </a:pPr>
           <a:r>
             <a:rPr lang="en-US" sz="1800" kern="1200" dirty="0"/>
-            <a:t>Get all attributes for one car onto one row</a:t>
+            <a:t>Get all attributes for one car onto one row.</a:t>
           </a:r>
         </a:p>
       </dsp:txBody>
@@ -4791,7 +4796,7 @@
           </a:pPr>
           <a:r>
             <a:rPr lang="en-US" sz="1800" kern="1200" dirty="0"/>
-            <a:t>Translate the attributes to fit the target format</a:t>
+            <a:t>Translate the attributes to fit the target format.</a:t>
           </a:r>
         </a:p>
       </dsp:txBody>
@@ -4927,8 +4932,13 @@
           </a:pPr>
           <a:r>
             <a:rPr lang="en-US" sz="1800" kern="1200" dirty="0"/>
-            <a:t>Use the target schema to populate the output with the normalized input data</a:t>
+            <a:t>Use the target schema to populate the output with the normalized </a:t>
           </a:r>
+          <a:r>
+            <a:rPr lang="en-US" sz="1800" kern="1200"/>
+            <a:t>input data.</a:t>
+          </a:r>
+          <a:endParaRPr lang="en-US" sz="1800" kern="1200" dirty="0"/>
         </a:p>
       </dsp:txBody>
       <dsp:txXfrm>
@@ -9524,7 +9534,7 @@
           <a:p>
             <a:fld id="{537F125C-6CCF-4E7C-B8C6-18F25ABA75D5}" type="datetimeFigureOut">
               <a:rPr lang="de-CH" smtClean="0"/>
-              <a:t>03.03.2021</a:t>
+              <a:t>04.03.2021</a:t>
             </a:fld>
             <a:endParaRPr lang="de-CH"/>
           </a:p>
@@ -9724,7 +9734,7 @@
           <a:p>
             <a:fld id="{537F125C-6CCF-4E7C-B8C6-18F25ABA75D5}" type="datetimeFigureOut">
               <a:rPr lang="de-CH" smtClean="0"/>
-              <a:t>03.03.2021</a:t>
+              <a:t>04.03.2021</a:t>
             </a:fld>
             <a:endParaRPr lang="de-CH"/>
           </a:p>
@@ -9934,7 +9944,7 @@
           <a:p>
             <a:fld id="{537F125C-6CCF-4E7C-B8C6-18F25ABA75D5}" type="datetimeFigureOut">
               <a:rPr lang="de-CH" smtClean="0"/>
-              <a:t>03.03.2021</a:t>
+              <a:t>04.03.2021</a:t>
             </a:fld>
             <a:endParaRPr lang="de-CH"/>
           </a:p>
@@ -10752,7 +10762,7 @@
           <a:p>
             <a:fld id="{537F125C-6CCF-4E7C-B8C6-18F25ABA75D5}" type="datetimeFigureOut">
               <a:rPr lang="de-CH" smtClean="0"/>
-              <a:t>03.03.2021</a:t>
+              <a:t>04.03.2021</a:t>
             </a:fld>
             <a:endParaRPr lang="de-CH"/>
           </a:p>
@@ -10922,7 +10932,7 @@
           <a:p>
             <a:fld id="{537F125C-6CCF-4E7C-B8C6-18F25ABA75D5}" type="datetimeFigureOut">
               <a:rPr lang="de-CH" smtClean="0"/>
-              <a:t>03.03.2021</a:t>
+              <a:t>04.03.2021</a:t>
             </a:fld>
             <a:endParaRPr lang="de-CH"/>
           </a:p>
@@ -11169,7 +11179,7 @@
           <a:p>
             <a:fld id="{537F125C-6CCF-4E7C-B8C6-18F25ABA75D5}" type="datetimeFigureOut">
               <a:rPr lang="de-CH" smtClean="0"/>
-              <a:t>03.03.2021</a:t>
+              <a:t>04.03.2021</a:t>
             </a:fld>
             <a:endParaRPr lang="de-CH"/>
           </a:p>
@@ -11401,7 +11411,7 @@
           <a:p>
             <a:fld id="{537F125C-6CCF-4E7C-B8C6-18F25ABA75D5}" type="datetimeFigureOut">
               <a:rPr lang="de-CH" smtClean="0"/>
-              <a:t>03.03.2021</a:t>
+              <a:t>04.03.2021</a:t>
             </a:fld>
             <a:endParaRPr lang="de-CH"/>
           </a:p>
@@ -11775,7 +11785,7 @@
           <a:p>
             <a:fld id="{537F125C-6CCF-4E7C-B8C6-18F25ABA75D5}" type="datetimeFigureOut">
               <a:rPr lang="de-CH" smtClean="0"/>
-              <a:t>03.03.2021</a:t>
+              <a:t>04.03.2021</a:t>
             </a:fld>
             <a:endParaRPr lang="de-CH"/>
           </a:p>
@@ -11898,7 +11908,7 @@
           <a:p>
             <a:fld id="{537F125C-6CCF-4E7C-B8C6-18F25ABA75D5}" type="datetimeFigureOut">
               <a:rPr lang="de-CH" smtClean="0"/>
-              <a:t>03.03.2021</a:t>
+              <a:t>04.03.2021</a:t>
             </a:fld>
             <a:endParaRPr lang="de-CH"/>
           </a:p>
@@ -11993,7 +12003,7 @@
           <a:p>
             <a:fld id="{537F125C-6CCF-4E7C-B8C6-18F25ABA75D5}" type="datetimeFigureOut">
               <a:rPr lang="de-CH" smtClean="0"/>
-              <a:t>03.03.2021</a:t>
+              <a:t>04.03.2021</a:t>
             </a:fld>
             <a:endParaRPr lang="de-CH"/>
           </a:p>
@@ -12248,7 +12258,7 @@
           <a:p>
             <a:fld id="{537F125C-6CCF-4E7C-B8C6-18F25ABA75D5}" type="datetimeFigureOut">
               <a:rPr lang="de-CH" smtClean="0"/>
-              <a:t>03.03.2021</a:t>
+              <a:t>04.03.2021</a:t>
             </a:fld>
             <a:endParaRPr lang="de-CH"/>
           </a:p>
@@ -12436,7 +12446,7 @@
           <a:p>
             <a:fld id="{537F125C-6CCF-4E7C-B8C6-18F25ABA75D5}" type="datetimeFigureOut">
               <a:rPr lang="de-CH" smtClean="0"/>
-              <a:t>03.03.2021</a:t>
+              <a:t>04.03.2021</a:t>
             </a:fld>
             <a:endParaRPr lang="de-CH"/>
           </a:p>
@@ -12753,7 +12763,7 @@
           <a:p>
             <a:fld id="{537F125C-6CCF-4E7C-B8C6-18F25ABA75D5}" type="datetimeFigureOut">
               <a:rPr lang="de-CH" smtClean="0"/>
-              <a:t>03.03.2021</a:t>
+              <a:t>04.03.2021</a:t>
             </a:fld>
             <a:endParaRPr lang="de-CH"/>
           </a:p>
@@ -12962,7 +12972,7 @@
           <a:p>
             <a:fld id="{537F125C-6CCF-4E7C-B8C6-18F25ABA75D5}" type="datetimeFigureOut">
               <a:rPr lang="de-CH" smtClean="0"/>
-              <a:t>03.03.2021</a:t>
+              <a:t>04.03.2021</a:t>
             </a:fld>
             <a:endParaRPr lang="de-CH"/>
           </a:p>
@@ -13276,7 +13286,7 @@
           <a:p>
             <a:fld id="{537F125C-6CCF-4E7C-B8C6-18F25ABA75D5}" type="datetimeFigureOut">
               <a:rPr lang="de-CH" smtClean="0"/>
-              <a:t>03.03.2021</a:t>
+              <a:t>04.03.2021</a:t>
             </a:fld>
             <a:endParaRPr lang="de-CH"/>
           </a:p>
@@ -13609,7 +13619,7 @@
           <a:p>
             <a:fld id="{537F125C-6CCF-4E7C-B8C6-18F25ABA75D5}" type="datetimeFigureOut">
               <a:rPr lang="de-CH" smtClean="0"/>
-              <a:t>03.03.2021</a:t>
+              <a:t>04.03.2021</a:t>
             </a:fld>
             <a:endParaRPr lang="de-CH"/>
           </a:p>
@@ -13923,7 +13933,7 @@
           <a:p>
             <a:fld id="{537F125C-6CCF-4E7C-B8C6-18F25ABA75D5}" type="datetimeFigureOut">
               <a:rPr lang="de-CH" smtClean="0"/>
-              <a:t>03.03.2021</a:t>
+              <a:t>04.03.2021</a:t>
             </a:fld>
             <a:endParaRPr lang="de-CH"/>
           </a:p>
@@ -14316,7 +14326,7 @@
           <a:p>
             <a:fld id="{537F125C-6CCF-4E7C-B8C6-18F25ABA75D5}" type="datetimeFigureOut">
               <a:rPr lang="de-CH" smtClean="0"/>
-              <a:t>03.03.2021</a:t>
+              <a:t>04.03.2021</a:t>
             </a:fld>
             <a:endParaRPr lang="de-CH"/>
           </a:p>
@@ -14486,7 +14496,7 @@
           <a:p>
             <a:fld id="{537F125C-6CCF-4E7C-B8C6-18F25ABA75D5}" type="datetimeFigureOut">
               <a:rPr lang="de-CH" smtClean="0"/>
-              <a:t>03.03.2021</a:t>
+              <a:t>04.03.2021</a:t>
             </a:fld>
             <a:endParaRPr lang="de-CH"/>
           </a:p>
@@ -14666,7 +14676,7 @@
           <a:p>
             <a:fld id="{537F125C-6CCF-4E7C-B8C6-18F25ABA75D5}" type="datetimeFigureOut">
               <a:rPr lang="de-CH" smtClean="0"/>
-              <a:t>03.03.2021</a:t>
+              <a:t>04.03.2021</a:t>
             </a:fld>
             <a:endParaRPr lang="de-CH"/>
           </a:p>
@@ -14930,7 +14940,7 @@
           <a:p>
             <a:fld id="{537F125C-6CCF-4E7C-B8C6-18F25ABA75D5}" type="datetimeFigureOut">
               <a:rPr lang="de-CH" smtClean="0"/>
-              <a:t>03.03.2021</a:t>
+              <a:t>04.03.2021</a:t>
             </a:fld>
             <a:endParaRPr lang="de-CH"/>
           </a:p>
@@ -15198,7 +15208,7 @@
           <a:p>
             <a:fld id="{537F125C-6CCF-4E7C-B8C6-18F25ABA75D5}" type="datetimeFigureOut">
               <a:rPr lang="de-CH" smtClean="0"/>
-              <a:t>03.03.2021</a:t>
+              <a:t>04.03.2021</a:t>
             </a:fld>
             <a:endParaRPr lang="de-CH"/>
           </a:p>
@@ -15613,7 +15623,7 @@
           <a:p>
             <a:fld id="{537F125C-6CCF-4E7C-B8C6-18F25ABA75D5}" type="datetimeFigureOut">
               <a:rPr lang="de-CH" smtClean="0"/>
-              <a:t>03.03.2021</a:t>
+              <a:t>04.03.2021</a:t>
             </a:fld>
             <a:endParaRPr lang="de-CH"/>
           </a:p>
@@ -15755,7 +15765,7 @@
           <a:p>
             <a:fld id="{537F125C-6CCF-4E7C-B8C6-18F25ABA75D5}" type="datetimeFigureOut">
               <a:rPr lang="de-CH" smtClean="0"/>
-              <a:t>03.03.2021</a:t>
+              <a:t>04.03.2021</a:t>
             </a:fld>
             <a:endParaRPr lang="de-CH"/>
           </a:p>
@@ -15868,7 +15878,7 @@
           <a:p>
             <a:fld id="{537F125C-6CCF-4E7C-B8C6-18F25ABA75D5}" type="datetimeFigureOut">
               <a:rPr lang="de-CH" smtClean="0"/>
-              <a:t>03.03.2021</a:t>
+              <a:t>04.03.2021</a:t>
             </a:fld>
             <a:endParaRPr lang="de-CH"/>
           </a:p>
@@ -16181,7 +16191,7 @@
           <a:p>
             <a:fld id="{537F125C-6CCF-4E7C-B8C6-18F25ABA75D5}" type="datetimeFigureOut">
               <a:rPr lang="de-CH" smtClean="0"/>
-              <a:t>03.03.2021</a:t>
+              <a:t>04.03.2021</a:t>
             </a:fld>
             <a:endParaRPr lang="de-CH"/>
           </a:p>
@@ -16470,7 +16480,7 @@
           <a:p>
             <a:fld id="{537F125C-6CCF-4E7C-B8C6-18F25ABA75D5}" type="datetimeFigureOut">
               <a:rPr lang="de-CH" smtClean="0"/>
-              <a:t>03.03.2021</a:t>
+              <a:t>04.03.2021</a:t>
             </a:fld>
             <a:endParaRPr lang="de-CH"/>
           </a:p>
@@ -16713,7 +16723,7 @@
           <a:p>
             <a:fld id="{537F125C-6CCF-4E7C-B8C6-18F25ABA75D5}" type="datetimeFigureOut">
               <a:rPr lang="de-CH" smtClean="0"/>
-              <a:t>03.03.2021</a:t>
+              <a:t>04.03.2021</a:t>
             </a:fld>
             <a:endParaRPr lang="de-CH"/>
           </a:p>
@@ -17796,7 +17806,7 @@
           <a:p>
             <a:fld id="{537F125C-6CCF-4E7C-B8C6-18F25ABA75D5}" type="datetimeFigureOut">
               <a:rPr lang="de-CH" smtClean="0"/>
-              <a:t>03.03.2021</a:t>
+              <a:t>04.03.2021</a:t>
             </a:fld>
             <a:endParaRPr lang="de-CH"/>
           </a:p>
@@ -18728,7 +18738,7 @@
             <p:ph idx="1"/>
             <p:extLst>
               <p:ext uri="{D42A27DB-BD31-4B8C-83A1-F6EECF244321}">
-                <p14:modId xmlns:p14="http://schemas.microsoft.com/office/powerpoint/2010/main" val="128832203"/>
+                <p14:modId xmlns:p14="http://schemas.microsoft.com/office/powerpoint/2010/main" val="2624093828"/>
               </p:ext>
             </p:extLst>
           </p:nvPr>
@@ -18756,7 +18766,7 @@
           <p:nvPr>
             <p:extLst>
               <p:ext uri="{D42A27DB-BD31-4B8C-83A1-F6EECF244321}">
-                <p14:modId xmlns:p14="http://schemas.microsoft.com/office/powerpoint/2010/main" val="1064071282"/>
+                <p14:modId xmlns:p14="http://schemas.microsoft.com/office/powerpoint/2010/main" val="2344928021"/>
               </p:ext>
             </p:extLst>
           </p:nvPr>
@@ -19484,53 +19494,57 @@
           <a:lstStyle/>
           <a:p>
             <a:r>
-              <a:rPr lang="en-US"/>
-              <a:t>Check if currently empty columns can be filled with a default value</a:t>
+              <a:rPr lang="en-US" dirty="0"/>
+              <a:t>Check if currently empty columns can be filled with a default value.</a:t>
             </a:r>
           </a:p>
           <a:p>
             <a:pPr lvl="1"/>
             <a:r>
-              <a:rPr lang="en-US"/>
-              <a:t>Eg. ‚price on request‘ or ‚currency‘ </a:t>
-            </a:r>
-          </a:p>
-          <a:p>
-            <a:r>
-              <a:rPr lang="en-US"/>
+              <a:rPr lang="en-US" dirty="0" err="1"/>
+              <a:t>Eg.</a:t>
+            </a:r>
+            <a:r>
+              <a:rPr lang="en-US" dirty="0"/>
+              <a:t> ‚price on request‘ or ‚currency‘ </a:t>
+            </a:r>
+          </a:p>
+          <a:p>
+            <a:r>
+              <a:rPr lang="en-US" dirty="0"/>
               <a:t>What are the answers to the questions raised on the previous slide?</a:t>
             </a:r>
           </a:p>
           <a:p>
             <a:r>
-              <a:rPr lang="en-US"/>
-              <a:t>Implement any potential changes to the data schema</a:t>
-            </a:r>
-          </a:p>
-          <a:p>
-            <a:endParaRPr lang="en-US"/>
-          </a:p>
-          <a:p>
-            <a:endParaRPr lang="en-US"/>
+              <a:rPr lang="en-US" dirty="0"/>
+              <a:t>Implement any potential changes to the data schema.</a:t>
+            </a:r>
+          </a:p>
+          <a:p>
+            <a:endParaRPr lang="en-US" dirty="0"/>
+          </a:p>
+          <a:p>
+            <a:endParaRPr lang="en-US" dirty="0"/>
           </a:p>
           <a:p>
             <a:pPr marL="0" indent="0">
               <a:buNone/>
             </a:pPr>
-            <a:endParaRPr lang="en-US"/>
+            <a:endParaRPr lang="en-US" dirty="0"/>
           </a:p>
           <a:p>
             <a:pPr marL="0" indent="0">
               <a:buNone/>
             </a:pPr>
-            <a:endParaRPr lang="en-US"/>
+            <a:endParaRPr lang="en-US" dirty="0"/>
           </a:p>
           <a:p>
             <a:pPr marL="0" indent="0">
               <a:buNone/>
             </a:pPr>
             <a:r>
-              <a:rPr lang="en-US" sz="3300"/>
+              <a:rPr lang="en-US" sz="3300" dirty="0"/>
               <a:t>We are happy to assist you with the continuation of this project</a:t>
             </a:r>
           </a:p>
@@ -19539,7 +19553,7 @@
               <a:buNone/>
             </a:pPr>
             <a:r>
-              <a:rPr lang="en-US" sz="3300"/>
+              <a:rPr lang="en-US" sz="3300" dirty="0"/>
               <a:t>Keep in touch!</a:t>
             </a:r>
           </a:p>
